--- a/ZIU_Presentation.pptx
+++ b/ZIU_Presentation.pptx
@@ -5,7 +5,7 @@
     <p:sldMasterId id="2147483648" r:id="rId1"/>
   </p:sldMasterIdLst>
   <p:notesMasterIdLst>
-    <p:notesMasterId r:id="rId14"/>
+    <p:notesMasterId r:id="rId15"/>
   </p:notesMasterIdLst>
   <p:sldIdLst>
     <p:sldId id="256" r:id="rId2"/>
@@ -14,12 +14,13 @@
     <p:sldId id="272" r:id="rId5"/>
     <p:sldId id="270" r:id="rId6"/>
     <p:sldId id="277" r:id="rId7"/>
-    <p:sldId id="273" r:id="rId8"/>
-    <p:sldId id="269" r:id="rId9"/>
-    <p:sldId id="274" r:id="rId10"/>
-    <p:sldId id="275" r:id="rId11"/>
-    <p:sldId id="278" r:id="rId12"/>
-    <p:sldId id="281" r:id="rId13"/>
+    <p:sldId id="282" r:id="rId8"/>
+    <p:sldId id="273" r:id="rId9"/>
+    <p:sldId id="269" r:id="rId10"/>
+    <p:sldId id="274" r:id="rId11"/>
+    <p:sldId id="275" r:id="rId12"/>
+    <p:sldId id="278" r:id="rId13"/>
+    <p:sldId id="281" r:id="rId14"/>
   </p:sldIdLst>
   <p:sldSz cx="12192000" cy="6858000"/>
   <p:notesSz cx="6858000" cy="9144000"/>
@@ -120,7 +121,7 @@
   </p:defaultTextStyle>
   <p:extLst>
     <p:ext uri="{EFAFB233-063F-42B5-8137-9DF3F51BA10A}">
-      <p15:sldGuideLst xmlns="" xmlns:p15="http://schemas.microsoft.com/office/powerpoint/2012/main"/>
+      <p15:sldGuideLst xmlns:p15="http://schemas.microsoft.com/office/powerpoint/2012/main" xmlns=""/>
     </p:ext>
   </p:extLst>
 </p:presentation>
@@ -209,7 +210,7 @@
             <a:fld id="{10852A0E-5291-4502-B672-60D515753F5B}" type="datetimeFigureOut">
               <a:rPr lang="en-IN" smtClean="0"/>
               <a:pPr/>
-              <a:t>18-02-2016</a:t>
+              <a:t>02-03-2016</a:t>
             </a:fld>
             <a:endParaRPr lang="en-IN"/>
           </a:p>
@@ -705,7 +706,7 @@
             <a:fld id="{5A069CB8-F204-4D06-B913-C5A26A89888A}" type="datetimeFigureOut">
               <a:rPr lang="en-US" dirty="0"/>
               <a:pPr/>
-              <a:t>2/18/2016</a:t>
+              <a:t>3/2/2016</a:t>
             </a:fld>
             <a:endParaRPr lang="en-US" dirty="0"/>
           </a:p>
@@ -910,7 +911,7 @@
             <a:fld id="{50B6E300-0A13-4A81-945A-7333C271A069}" type="datetimeFigureOut">
               <a:rPr lang="en-US" dirty="0"/>
               <a:pPr/>
-              <a:t>2/18/2016</a:t>
+              <a:t>3/2/2016</a:t>
             </a:fld>
             <a:endParaRPr lang="en-US" dirty="0"/>
           </a:p>
@@ -1163,7 +1164,7 @@
             <a:fld id="{34671962-1EA4-46E7-BCB0-F36CE46D1A59}" type="datetimeFigureOut">
               <a:rPr lang="en-US" dirty="0"/>
               <a:pPr/>
-              <a:t>2/18/2016</a:t>
+              <a:t>3/2/2016</a:t>
             </a:fld>
             <a:endParaRPr lang="en-US" dirty="0"/>
           </a:p>
@@ -1330,7 +1331,7 @@
             <a:fld id="{D30BB376-B19C-488D-ABEB-03C7E6E9E3E0}" type="datetimeFigureOut">
               <a:rPr lang="en-US" dirty="0"/>
               <a:pPr/>
-              <a:t>2/18/2016</a:t>
+              <a:t>3/2/2016</a:t>
             </a:fld>
             <a:endParaRPr lang="en-US" dirty="0"/>
           </a:p>
@@ -1662,7 +1663,7 @@
             <a:fld id="{486F077B-A50F-4D64-8574-E2D6A98A5553}" type="datetimeFigureOut">
               <a:rPr lang="en-US" dirty="0"/>
               <a:pPr/>
-              <a:t>2/18/2016</a:t>
+              <a:t>3/2/2016</a:t>
             </a:fld>
             <a:endParaRPr lang="en-US" dirty="0"/>
           </a:p>
@@ -1934,7 +1935,7 @@
             <a:fld id="{7D9E2A62-1983-43A1-A163-D8AA46534C80}" type="datetimeFigureOut">
               <a:rPr lang="en-US" dirty="0"/>
               <a:pPr/>
-              <a:t>2/18/2016</a:t>
+              <a:t>3/2/2016</a:t>
             </a:fld>
             <a:endParaRPr lang="en-US" dirty="0"/>
           </a:p>
@@ -2310,7 +2311,7 @@
             <a:fld id="{898F3E3B-34E3-4345-B2A1-994B83598A9C}" type="datetimeFigureOut">
               <a:rPr lang="en-US" dirty="0"/>
               <a:pPr/>
-              <a:t>2/18/2016</a:t>
+              <a:t>3/2/2016</a:t>
             </a:fld>
             <a:endParaRPr lang="en-US" dirty="0"/>
           </a:p>
@@ -2425,7 +2426,7 @@
             <a:fld id="{FD816C96-82A1-4D77-8ADA-627AC6FE3D65}" type="datetimeFigureOut">
               <a:rPr lang="en-US" dirty="0"/>
               <a:pPr/>
-              <a:t>2/18/2016</a:t>
+              <a:t>3/2/2016</a:t>
             </a:fld>
             <a:endParaRPr lang="en-US" dirty="0"/>
           </a:p>
@@ -2593,7 +2594,7 @@
             <a:fld id="{1D102C1E-28F2-47E9-802D-339E64E2F920}" type="datetimeFigureOut">
               <a:rPr lang="en-US" dirty="0"/>
               <a:pPr/>
-              <a:t>2/18/2016</a:t>
+              <a:t>3/2/2016</a:t>
             </a:fld>
             <a:endParaRPr lang="en-US" dirty="0"/>
           </a:p>
@@ -2944,7 +2945,7 @@
             <a:fld id="{24271A48-F18A-45B3-BC05-1E27DA3F88AF}" type="datetimeFigureOut">
               <a:rPr lang="en-US" dirty="0"/>
               <a:pPr/>
-              <a:t>2/18/2016</a:t>
+              <a:t>3/2/2016</a:t>
             </a:fld>
             <a:endParaRPr lang="en-US" dirty="0"/>
           </a:p>
@@ -3318,7 +3319,7 @@
             <a:fld id="{65B747F8-9654-4282-85D2-65F41AAE7A75}" type="datetimeFigureOut">
               <a:rPr lang="en-US" dirty="0"/>
               <a:pPr/>
-              <a:t>2/18/2016</a:t>
+              <a:t>3/2/2016</a:t>
             </a:fld>
             <a:endParaRPr lang="en-US" dirty="0"/>
           </a:p>
@@ -3604,7 +3605,7 @@
             <a:fld id="{5DC5B261-8843-42D1-AAFC-05E20E2D9B97}" type="datetimeFigureOut">
               <a:rPr lang="en-US" dirty="0"/>
               <a:pPr/>
-              <a:t>2/18/2016</a:t>
+              <a:t>3/2/2016</a:t>
             </a:fld>
             <a:endParaRPr lang="en-US" dirty="0"/>
           </a:p>
@@ -4322,6 +4323,302 @@
         </p:nvSpPr>
         <p:spPr/>
         <p:txBody>
+          <a:bodyPr vert="horz" lIns="91440" tIns="45720" rIns="91440" bIns="45720" rtlCol="0" anchor="b">
+            <a:normAutofit/>
+          </a:bodyPr>
+          <a:lstStyle/>
+          <a:p>
+            <a:r>
+              <a:rPr lang="en-US" altLang="en-US" sz="4000" dirty="0" smtClean="0"/>
+              <a:t>Market Approach </a:t>
+            </a:r>
+            <a:r>
+              <a:rPr lang="en-US" altLang="en-US" sz="4000" dirty="0"/>
+              <a:t>&amp; </a:t>
+            </a:r>
+            <a:r>
+              <a:rPr lang="en-US" altLang="en-US" sz="4000" dirty="0" smtClean="0"/>
+              <a:t>Growth</a:t>
+            </a:r>
+            <a:endParaRPr lang="en-IN" sz="4000" dirty="0"/>
+          </a:p>
+        </p:txBody>
+      </p:sp>
+      <p:sp>
+        <p:nvSpPr>
+          <p:cNvPr id="3" name="Content Placeholder 2"/>
+          <p:cNvSpPr>
+            <a:spLocks noGrp="1"/>
+          </p:cNvSpPr>
+          <p:nvPr>
+            <p:ph idx="1"/>
+          </p:nvPr>
+        </p:nvSpPr>
+        <p:spPr/>
+        <p:txBody>
+          <a:bodyPr>
+            <a:normAutofit fontScale="70000" lnSpcReduction="20000"/>
+          </a:bodyPr>
+          <a:lstStyle/>
+          <a:p>
+            <a:pPr lvl="0"/>
+            <a:r>
+              <a:rPr lang="en-IN" sz="2900" b="1" dirty="0" smtClean="0"/>
+              <a:t>We will acquire customers in following ways</a:t>
+            </a:r>
+            <a:r>
+              <a:rPr lang="en-IN" sz="2900" dirty="0" smtClean="0"/>
+              <a:t>:-</a:t>
+            </a:r>
+          </a:p>
+          <a:p>
+            <a:pPr lvl="0">
+              <a:buClrTx/>
+              <a:buFont typeface="Arial" pitchFamily="34" charset="0"/>
+              <a:buChar char="•"/>
+            </a:pPr>
+            <a:r>
+              <a:rPr lang="en-IN" sz="1900" dirty="0" smtClean="0"/>
+              <a:t>Create trends on facebook and site for various haircuts and moustache by asking people to like and comment for their favourite cuts.</a:t>
+            </a:r>
+          </a:p>
+          <a:p>
+            <a:pPr lvl="0">
+              <a:buClrTx/>
+              <a:buFont typeface="Arial" pitchFamily="34" charset="0"/>
+              <a:buChar char="•"/>
+            </a:pPr>
+            <a:r>
+              <a:rPr lang="en-IN" sz="1900" dirty="0" smtClean="0"/>
+              <a:t>Organize competitions on facebook and give away free service vouchers as prize.</a:t>
+            </a:r>
+          </a:p>
+          <a:p>
+            <a:pPr lvl="0">
+              <a:buClrTx/>
+              <a:buFont typeface="Arial" pitchFamily="34" charset="0"/>
+              <a:buChar char="•"/>
+            </a:pPr>
+            <a:r>
+              <a:rPr lang="en-US" sz="1900" dirty="0" smtClean="0"/>
+              <a:t>Marketing the product digitally through Facebook, advertisements, blogs, emails and text messages.</a:t>
+            </a:r>
+          </a:p>
+          <a:p>
+            <a:pPr lvl="0">
+              <a:buClrTx/>
+              <a:buFont typeface="Arial" pitchFamily="34" charset="0"/>
+              <a:buChar char="•"/>
+            </a:pPr>
+            <a:r>
+              <a:rPr lang="en-US" sz="1900" dirty="0" smtClean="0"/>
+              <a:t>Give free vouchers on signup on site.</a:t>
+            </a:r>
+          </a:p>
+          <a:p>
+            <a:pPr lvl="0">
+              <a:buClrTx/>
+              <a:buFont typeface="Arial" pitchFamily="34" charset="0"/>
+              <a:buChar char="•"/>
+            </a:pPr>
+            <a:r>
+              <a:rPr lang="en-US" sz="1900" dirty="0" smtClean="0"/>
+              <a:t>Offering deals and discounts on the trending styles.</a:t>
+            </a:r>
+          </a:p>
+          <a:p>
+            <a:pPr lvl="0">
+              <a:buClrTx/>
+              <a:buFont typeface="Arial" pitchFamily="34" charset="0"/>
+              <a:buChar char="•"/>
+            </a:pPr>
+            <a:r>
+              <a:rPr lang="en-US" sz="1900" dirty="0" smtClean="0"/>
+              <a:t>Offering special beauty and bridal packages at discounted rates which will be available exclusively at site.</a:t>
+            </a:r>
+          </a:p>
+          <a:p>
+            <a:pPr lvl="0">
+              <a:buClrTx/>
+              <a:buFont typeface="Arial" pitchFamily="34" charset="0"/>
+              <a:buChar char="•"/>
+            </a:pPr>
+            <a:r>
+              <a:rPr lang="en-US" sz="1900" dirty="0" smtClean="0"/>
+              <a:t>Offering ‘On-Wheels’ parlor for special events like marriages, parties and functions. </a:t>
+            </a:r>
+          </a:p>
+          <a:p>
+            <a:pPr lvl="0">
+              <a:buClrTx/>
+              <a:buFont typeface="Arial" pitchFamily="34" charset="0"/>
+              <a:buChar char="•"/>
+            </a:pPr>
+            <a:r>
+              <a:rPr lang="en-US" sz="1900" dirty="0" smtClean="0"/>
+              <a:t>Boosting the sales by creating marketing events like #</a:t>
+            </a:r>
+            <a:r>
+              <a:rPr lang="en-US" sz="1900" dirty="0" err="1" smtClean="0"/>
+              <a:t>createatrend</a:t>
+            </a:r>
+            <a:r>
+              <a:rPr lang="en-US" sz="1900" dirty="0" smtClean="0"/>
+              <a:t> and salon carnivals.</a:t>
+            </a:r>
+          </a:p>
+          <a:p>
+            <a:pPr lvl="0">
+              <a:buClrTx/>
+              <a:buFont typeface="Arial" pitchFamily="34" charset="0"/>
+              <a:buChar char="•"/>
+            </a:pPr>
+            <a:r>
+              <a:rPr lang="en-IN" sz="1900" dirty="0" smtClean="0"/>
+              <a:t>Word-of-Mouth approach i.e. satisfaction to customer .</a:t>
+            </a:r>
+          </a:p>
+          <a:p>
+            <a:pPr>
+              <a:buNone/>
+            </a:pPr>
+            <a:endParaRPr lang="en-IN" sz="1900" b="1" dirty="0" smtClean="0"/>
+          </a:p>
+          <a:p>
+            <a:pPr>
+              <a:buNone/>
+            </a:pPr>
+            <a:r>
+              <a:rPr lang="en-IN" sz="2900" b="1" dirty="0" smtClean="0"/>
+              <a:t>Why people will buy what we want to sell and whom we plan to sell.</a:t>
+            </a:r>
+            <a:endParaRPr lang="en-IN" sz="2900" dirty="0" smtClean="0"/>
+          </a:p>
+          <a:p>
+            <a:pPr>
+              <a:buClrTx/>
+              <a:buFont typeface="Arial" pitchFamily="34" charset="0"/>
+              <a:buChar char="•"/>
+            </a:pPr>
+            <a:r>
+              <a:rPr lang="en-IN" sz="1900" dirty="0" smtClean="0"/>
+              <a:t> With fast changing trends and styles, everyone wants to stay ahead. Our app will give them the services that makes them stand out of the crowd. </a:t>
+            </a:r>
+          </a:p>
+          <a:p>
+            <a:pPr>
+              <a:buClrTx/>
+              <a:buFont typeface="Arial" pitchFamily="34" charset="0"/>
+              <a:buChar char="•"/>
+            </a:pPr>
+            <a:r>
+              <a:rPr lang="en-IN" sz="1900" dirty="0" smtClean="0"/>
+              <a:t>With the explosion of mobility by apps like </a:t>
+            </a:r>
+            <a:r>
+              <a:rPr lang="en-IN" sz="1900" dirty="0" err="1" smtClean="0"/>
+              <a:t>flipkart</a:t>
+            </a:r>
+            <a:r>
+              <a:rPr lang="en-IN" sz="1900" dirty="0" smtClean="0"/>
+              <a:t>, </a:t>
+            </a:r>
+            <a:r>
+              <a:rPr lang="en-IN" sz="1900" dirty="0" err="1" smtClean="0"/>
+              <a:t>zomato</a:t>
+            </a:r>
+            <a:r>
+              <a:rPr lang="en-IN" sz="1900" dirty="0" smtClean="0"/>
+              <a:t>, OLA etc. people need an app for the beauty segment too. </a:t>
+            </a:r>
+          </a:p>
+          <a:p>
+            <a:pPr>
+              <a:buClrTx/>
+              <a:buFont typeface="Arial" pitchFamily="34" charset="0"/>
+              <a:buChar char="•"/>
+            </a:pPr>
+            <a:r>
+              <a:rPr lang="en-IN" sz="1900" dirty="0" smtClean="0"/>
+              <a:t> The best deals in the city will attract various people to use the app</a:t>
+            </a:r>
+          </a:p>
+          <a:p>
+            <a:endParaRPr lang="en-US" altLang="en-US" dirty="0" smtClean="0">
+              <a:latin typeface="+mj-lt"/>
+              <a:cs typeface="Arial" panose="020B0604020202020204" pitchFamily="34" charset="0"/>
+            </a:endParaRPr>
+          </a:p>
+        </p:txBody>
+      </p:sp>
+      <p:pic>
+        <p:nvPicPr>
+          <p:cNvPr id="4" name="Picture 2" descr="C:\Users\hash\Desktop\ziu\ziu docs\ziu logo final.jpg"/>
+          <p:cNvPicPr>
+            <a:picLocks noChangeAspect="1" noChangeArrowheads="1"/>
+          </p:cNvPicPr>
+          <p:nvPr/>
+        </p:nvPicPr>
+        <p:blipFill>
+          <a:blip r:embed="rId2"/>
+          <a:srcRect/>
+          <a:stretch>
+            <a:fillRect/>
+          </a:stretch>
+        </p:blipFill>
+        <p:spPr bwMode="auto">
+          <a:xfrm>
+            <a:off x="10128737" y="396436"/>
+            <a:ext cx="1866558" cy="700844"/>
+          </a:xfrm>
+          <a:prstGeom prst="rect">
+            <a:avLst/>
+          </a:prstGeom>
+          <a:noFill/>
+        </p:spPr>
+      </p:pic>
+    </p:spTree>
+    <p:extLst>
+      <p:ext uri="{BB962C8B-B14F-4D97-AF65-F5344CB8AC3E}">
+        <p14:creationId xmlns:p14="http://schemas.microsoft.com/office/powerpoint/2010/main" val="4017808546"/>
+      </p:ext>
+    </p:extLst>
+  </p:cSld>
+  <p:clrMapOvr>
+    <a:masterClrMapping/>
+  </p:clrMapOvr>
+</p:sld>
+</file>
+
+<file path=ppt/slides/slide11.xml><?xml version="1.0" encoding="utf-8"?>
+<p:sld xmlns:a="http://schemas.openxmlformats.org/drawingml/2006/main" xmlns:r="http://schemas.openxmlformats.org/officeDocument/2006/relationships" xmlns:p="http://schemas.openxmlformats.org/presentationml/2006/main" showMasterSp="0">
+  <p:cSld>
+    <p:spTree>
+      <p:nvGrpSpPr>
+        <p:cNvPr id="1" name=""/>
+        <p:cNvGrpSpPr/>
+        <p:nvPr/>
+      </p:nvGrpSpPr>
+      <p:grpSpPr>
+        <a:xfrm>
+          <a:off x="0" y="0"/>
+          <a:ext cx="0" cy="0"/>
+          <a:chOff x="0" y="0"/>
+          <a:chExt cx="0" cy="0"/>
+        </a:xfrm>
+      </p:grpSpPr>
+      <p:sp>
+        <p:nvSpPr>
+          <p:cNvPr id="2" name="Title 1"/>
+          <p:cNvSpPr>
+            <a:spLocks noGrp="1"/>
+          </p:cNvSpPr>
+          <p:nvPr>
+            <p:ph type="title"/>
+          </p:nvPr>
+        </p:nvSpPr>
+        <p:spPr/>
+        <p:txBody>
           <a:bodyPr>
             <a:normAutofit/>
           </a:bodyPr>
@@ -4645,7 +4942,7 @@
 </p:sld>
 </file>
 
-<file path=ppt/slides/slide11.xml><?xml version="1.0" encoding="utf-8"?>
+<file path=ppt/slides/slide12.xml><?xml version="1.0" encoding="utf-8"?>
 <p:sld xmlns:a="http://schemas.openxmlformats.org/drawingml/2006/main" xmlns:r="http://schemas.openxmlformats.org/officeDocument/2006/relationships" xmlns:p="http://schemas.openxmlformats.org/presentationml/2006/main" showMasterSp="0">
   <p:cSld>
     <p:spTree>
@@ -4758,7 +5055,7 @@
 </p:sld>
 </file>
 
-<file path=ppt/slides/slide12.xml><?xml version="1.0" encoding="utf-8"?>
+<file path=ppt/slides/slide13.xml><?xml version="1.0" encoding="utf-8"?>
 <p:sld xmlns:a="http://schemas.openxmlformats.org/drawingml/2006/main" xmlns:r="http://schemas.openxmlformats.org/officeDocument/2006/relationships" xmlns:p="http://schemas.openxmlformats.org/presentationml/2006/main" showMasterSp="0">
   <p:cSld>
     <p:spTree>
@@ -6294,6 +6591,161 @@
 </file>
 
 <file path=ppt/slides/slide7.xml><?xml version="1.0" encoding="utf-8"?>
+<p:sld xmlns:a="http://schemas.openxmlformats.org/drawingml/2006/main" xmlns:r="http://schemas.openxmlformats.org/officeDocument/2006/relationships" xmlns:p="http://schemas.openxmlformats.org/presentationml/2006/main">
+  <p:cSld>
+    <p:spTree>
+      <p:nvGrpSpPr>
+        <p:cNvPr id="1" name=""/>
+        <p:cNvGrpSpPr/>
+        <p:nvPr/>
+      </p:nvGrpSpPr>
+      <p:grpSpPr>
+        <a:xfrm>
+          <a:off x="0" y="0"/>
+          <a:ext cx="0" cy="0"/>
+          <a:chOff x="0" y="0"/>
+          <a:chExt cx="0" cy="0"/>
+        </a:xfrm>
+      </p:grpSpPr>
+      <p:sp>
+        <p:nvSpPr>
+          <p:cNvPr id="2" name="Title 1"/>
+          <p:cNvSpPr>
+            <a:spLocks noGrp="1"/>
+          </p:cNvSpPr>
+          <p:nvPr>
+            <p:ph type="title"/>
+          </p:nvPr>
+        </p:nvSpPr>
+        <p:spPr/>
+        <p:txBody>
+          <a:bodyPr/>
+          <a:lstStyle/>
+          <a:p>
+            <a:r>
+              <a:rPr lang="en-IN" dirty="0"/>
+              <a:t>Service Used By App</a:t>
+            </a:r>
+          </a:p>
+        </p:txBody>
+      </p:sp>
+      <p:sp>
+        <p:nvSpPr>
+          <p:cNvPr id="4" name="Rectangle 3"/>
+          <p:cNvSpPr/>
+          <p:nvPr/>
+        </p:nvSpPr>
+        <p:spPr>
+          <a:xfrm>
+            <a:off x="546100" y="1422400"/>
+            <a:ext cx="10934700" cy="984885"/>
+          </a:xfrm>
+          <a:prstGeom prst="rect">
+            <a:avLst/>
+          </a:prstGeom>
+        </p:spPr>
+        <p:txBody>
+          <a:bodyPr wrap="square">
+            <a:spAutoFit/>
+          </a:bodyPr>
+          <a:lstStyle/>
+          <a:p>
+            <a:r>
+              <a:rPr lang="en-IN" sz="2000" b="1" dirty="0"/>
+              <a:t>My </a:t>
+            </a:r>
+            <a:r>
+              <a:rPr lang="en-IN" sz="2000" b="1" dirty="0" err="1"/>
+              <a:t>Sql</a:t>
+            </a:r>
+            <a:r>
+              <a:rPr lang="en-IN" sz="2000" b="1" dirty="0"/>
+              <a:t> Service </a:t>
+            </a:r>
+            <a:r>
+              <a:rPr lang="en-IN" dirty="0"/>
+              <a:t>:- For Fetching The Images &amp; Text </a:t>
+            </a:r>
+            <a:r>
+              <a:rPr lang="en-IN" dirty="0" err="1"/>
+              <a:t>Json</a:t>
+            </a:r>
+            <a:r>
+              <a:rPr lang="en-IN" dirty="0"/>
+              <a:t> Script In The App.</a:t>
+            </a:r>
+          </a:p>
+          <a:p>
+            <a:endParaRPr lang="en-IN" dirty="0"/>
+          </a:p>
+          <a:p>
+            <a:r>
+              <a:rPr lang="en-IN" sz="2000" b="1" dirty="0"/>
+              <a:t>Push Notification </a:t>
+            </a:r>
+            <a:r>
+              <a:rPr lang="en-IN" dirty="0"/>
+              <a:t>:- For Important Messages To show To A User.</a:t>
+            </a:r>
+            <a:endParaRPr lang="en-IN" dirty="0"/>
+          </a:p>
+        </p:txBody>
+      </p:sp>
+      <p:pic>
+        <p:nvPicPr>
+          <p:cNvPr id="1026" name="Picture 2" descr="C:\Users\user\Desktop\Bluemix\Project_Work\Cloud-Computing\services.png"/>
+          <p:cNvPicPr>
+            <a:picLocks noChangeAspect="1" noChangeArrowheads="1"/>
+          </p:cNvPicPr>
+          <p:nvPr/>
+        </p:nvPicPr>
+        <p:blipFill>
+          <a:blip r:embed="rId2">
+            <a:extLst>
+              <a:ext uri="{28A0092B-C50C-407E-A947-70E740481C1C}">
+                <a14:useLocalDpi xmlns:a14="http://schemas.microsoft.com/office/drawing/2010/main" val="0"/>
+              </a:ext>
+            </a:extLst>
+          </a:blip>
+          <a:srcRect/>
+          <a:stretch>
+            <a:fillRect/>
+          </a:stretch>
+        </p:blipFill>
+        <p:spPr bwMode="auto">
+          <a:xfrm>
+            <a:off x="381000" y="2770660"/>
+            <a:ext cx="11442700" cy="3706340"/>
+          </a:xfrm>
+          <a:prstGeom prst="rect">
+            <a:avLst/>
+          </a:prstGeom>
+          <a:noFill/>
+          <a:extLst>
+            <a:ext uri="{909E8E84-426E-40DD-AFC4-6F175D3DCCD1}">
+              <a14:hiddenFill xmlns:a14="http://schemas.microsoft.com/office/drawing/2010/main">
+                <a:solidFill>
+                  <a:srgbClr val="FFFFFF"/>
+                </a:solidFill>
+              </a14:hiddenFill>
+            </a:ext>
+          </a:extLst>
+        </p:spPr>
+      </p:pic>
+    </p:spTree>
+    <p:extLst>
+      <p:ext uri="{BB962C8B-B14F-4D97-AF65-F5344CB8AC3E}">
+        <p14:creationId xmlns:p14="http://schemas.microsoft.com/office/powerpoint/2010/main" val="71681045"/>
+      </p:ext>
+    </p:extLst>
+  </p:cSld>
+  <p:clrMapOvr>
+    <a:masterClrMapping/>
+  </p:clrMapOvr>
+</p:sld>
+</file>
+
+<file path=ppt/slides/slide8.xml><?xml version="1.0" encoding="utf-8"?>
 <p:sld xmlns:a="http://schemas.openxmlformats.org/drawingml/2006/main" xmlns:r="http://schemas.openxmlformats.org/officeDocument/2006/relationships" xmlns:p="http://schemas.openxmlformats.org/presentationml/2006/main" showMasterSp="0">
   <p:cSld>
     <p:spTree>
@@ -6504,7 +6956,7 @@
 </p:sld>
 </file>
 
-<file path=ppt/slides/slide8.xml><?xml version="1.0" encoding="utf-8"?>
+<file path=ppt/slides/slide9.xml><?xml version="1.0" encoding="utf-8"?>
 <p:sld xmlns:a="http://schemas.openxmlformats.org/drawingml/2006/main" xmlns:r="http://schemas.openxmlformats.org/officeDocument/2006/relationships" xmlns:p="http://schemas.openxmlformats.org/presentationml/2006/main" showMasterSp="0">
   <p:cSld>
     <p:spTree>
@@ -6599,302 +7051,6 @@
     <p:extLst>
       <p:ext uri="{BB962C8B-B14F-4D97-AF65-F5344CB8AC3E}">
         <p14:creationId xmlns:p14="http://schemas.microsoft.com/office/powerpoint/2010/main" val="175510443"/>
-      </p:ext>
-    </p:extLst>
-  </p:cSld>
-  <p:clrMapOvr>
-    <a:masterClrMapping/>
-  </p:clrMapOvr>
-</p:sld>
-</file>
-
-<file path=ppt/slides/slide9.xml><?xml version="1.0" encoding="utf-8"?>
-<p:sld xmlns:a="http://schemas.openxmlformats.org/drawingml/2006/main" xmlns:r="http://schemas.openxmlformats.org/officeDocument/2006/relationships" xmlns:p="http://schemas.openxmlformats.org/presentationml/2006/main" showMasterSp="0">
-  <p:cSld>
-    <p:spTree>
-      <p:nvGrpSpPr>
-        <p:cNvPr id="1" name=""/>
-        <p:cNvGrpSpPr/>
-        <p:nvPr/>
-      </p:nvGrpSpPr>
-      <p:grpSpPr>
-        <a:xfrm>
-          <a:off x="0" y="0"/>
-          <a:ext cx="0" cy="0"/>
-          <a:chOff x="0" y="0"/>
-          <a:chExt cx="0" cy="0"/>
-        </a:xfrm>
-      </p:grpSpPr>
-      <p:sp>
-        <p:nvSpPr>
-          <p:cNvPr id="2" name="Title 1"/>
-          <p:cNvSpPr>
-            <a:spLocks noGrp="1"/>
-          </p:cNvSpPr>
-          <p:nvPr>
-            <p:ph type="title"/>
-          </p:nvPr>
-        </p:nvSpPr>
-        <p:spPr/>
-        <p:txBody>
-          <a:bodyPr vert="horz" lIns="91440" tIns="45720" rIns="91440" bIns="45720" rtlCol="0" anchor="b">
-            <a:normAutofit/>
-          </a:bodyPr>
-          <a:lstStyle/>
-          <a:p>
-            <a:r>
-              <a:rPr lang="en-US" altLang="en-US" sz="4000" dirty="0" smtClean="0"/>
-              <a:t>Market Approach </a:t>
-            </a:r>
-            <a:r>
-              <a:rPr lang="en-US" altLang="en-US" sz="4000" dirty="0"/>
-              <a:t>&amp; </a:t>
-            </a:r>
-            <a:r>
-              <a:rPr lang="en-US" altLang="en-US" sz="4000" dirty="0" smtClean="0"/>
-              <a:t>Growth</a:t>
-            </a:r>
-            <a:endParaRPr lang="en-IN" sz="4000" dirty="0"/>
-          </a:p>
-        </p:txBody>
-      </p:sp>
-      <p:sp>
-        <p:nvSpPr>
-          <p:cNvPr id="3" name="Content Placeholder 2"/>
-          <p:cNvSpPr>
-            <a:spLocks noGrp="1"/>
-          </p:cNvSpPr>
-          <p:nvPr>
-            <p:ph idx="1"/>
-          </p:nvPr>
-        </p:nvSpPr>
-        <p:spPr/>
-        <p:txBody>
-          <a:bodyPr>
-            <a:normAutofit fontScale="70000" lnSpcReduction="20000"/>
-          </a:bodyPr>
-          <a:lstStyle/>
-          <a:p>
-            <a:pPr lvl="0"/>
-            <a:r>
-              <a:rPr lang="en-IN" sz="2900" b="1" dirty="0" smtClean="0"/>
-              <a:t>We will acquire customers in following ways</a:t>
-            </a:r>
-            <a:r>
-              <a:rPr lang="en-IN" sz="2900" dirty="0" smtClean="0"/>
-              <a:t>:-</a:t>
-            </a:r>
-          </a:p>
-          <a:p>
-            <a:pPr lvl="0">
-              <a:buClrTx/>
-              <a:buFont typeface="Arial" pitchFamily="34" charset="0"/>
-              <a:buChar char="•"/>
-            </a:pPr>
-            <a:r>
-              <a:rPr lang="en-IN" sz="1900" dirty="0" smtClean="0"/>
-              <a:t>Create trends on facebook and site for various haircuts and moustache by asking people to like and comment for their favourite cuts.</a:t>
-            </a:r>
-          </a:p>
-          <a:p>
-            <a:pPr lvl="0">
-              <a:buClrTx/>
-              <a:buFont typeface="Arial" pitchFamily="34" charset="0"/>
-              <a:buChar char="•"/>
-            </a:pPr>
-            <a:r>
-              <a:rPr lang="en-IN" sz="1900" dirty="0" smtClean="0"/>
-              <a:t>Organize competitions on facebook and give away free service vouchers as prize.</a:t>
-            </a:r>
-          </a:p>
-          <a:p>
-            <a:pPr lvl="0">
-              <a:buClrTx/>
-              <a:buFont typeface="Arial" pitchFamily="34" charset="0"/>
-              <a:buChar char="•"/>
-            </a:pPr>
-            <a:r>
-              <a:rPr lang="en-US" sz="1900" dirty="0" smtClean="0"/>
-              <a:t>Marketing the product digitally through Facebook, advertisements, blogs, emails and text messages.</a:t>
-            </a:r>
-          </a:p>
-          <a:p>
-            <a:pPr lvl="0">
-              <a:buClrTx/>
-              <a:buFont typeface="Arial" pitchFamily="34" charset="0"/>
-              <a:buChar char="•"/>
-            </a:pPr>
-            <a:r>
-              <a:rPr lang="en-US" sz="1900" dirty="0" smtClean="0"/>
-              <a:t>Give free vouchers on signup on site.</a:t>
-            </a:r>
-          </a:p>
-          <a:p>
-            <a:pPr lvl="0">
-              <a:buClrTx/>
-              <a:buFont typeface="Arial" pitchFamily="34" charset="0"/>
-              <a:buChar char="•"/>
-            </a:pPr>
-            <a:r>
-              <a:rPr lang="en-US" sz="1900" dirty="0" smtClean="0"/>
-              <a:t>Offering deals and discounts on the trending styles.</a:t>
-            </a:r>
-          </a:p>
-          <a:p>
-            <a:pPr lvl="0">
-              <a:buClrTx/>
-              <a:buFont typeface="Arial" pitchFamily="34" charset="0"/>
-              <a:buChar char="•"/>
-            </a:pPr>
-            <a:r>
-              <a:rPr lang="en-US" sz="1900" dirty="0" smtClean="0"/>
-              <a:t>Offering special beauty and bridal packages at discounted rates which will be available exclusively at site.</a:t>
-            </a:r>
-          </a:p>
-          <a:p>
-            <a:pPr lvl="0">
-              <a:buClrTx/>
-              <a:buFont typeface="Arial" pitchFamily="34" charset="0"/>
-              <a:buChar char="•"/>
-            </a:pPr>
-            <a:r>
-              <a:rPr lang="en-US" sz="1900" dirty="0" smtClean="0"/>
-              <a:t>Offering ‘On-Wheels’ parlor for special events like marriages, parties and functions. </a:t>
-            </a:r>
-          </a:p>
-          <a:p>
-            <a:pPr lvl="0">
-              <a:buClrTx/>
-              <a:buFont typeface="Arial" pitchFamily="34" charset="0"/>
-              <a:buChar char="•"/>
-            </a:pPr>
-            <a:r>
-              <a:rPr lang="en-US" sz="1900" dirty="0" smtClean="0"/>
-              <a:t>Boosting the sales by creating marketing events like #</a:t>
-            </a:r>
-            <a:r>
-              <a:rPr lang="en-US" sz="1900" dirty="0" err="1" smtClean="0"/>
-              <a:t>createatrend</a:t>
-            </a:r>
-            <a:r>
-              <a:rPr lang="en-US" sz="1900" dirty="0" smtClean="0"/>
-              <a:t> and salon carnivals.</a:t>
-            </a:r>
-          </a:p>
-          <a:p>
-            <a:pPr lvl="0">
-              <a:buClrTx/>
-              <a:buFont typeface="Arial" pitchFamily="34" charset="0"/>
-              <a:buChar char="•"/>
-            </a:pPr>
-            <a:r>
-              <a:rPr lang="en-IN" sz="1900" dirty="0" smtClean="0"/>
-              <a:t>Word-of-Mouth approach i.e. satisfaction to customer .</a:t>
-            </a:r>
-          </a:p>
-          <a:p>
-            <a:pPr>
-              <a:buNone/>
-            </a:pPr>
-            <a:endParaRPr lang="en-IN" sz="1900" b="1" dirty="0" smtClean="0"/>
-          </a:p>
-          <a:p>
-            <a:pPr>
-              <a:buNone/>
-            </a:pPr>
-            <a:r>
-              <a:rPr lang="en-IN" sz="2900" b="1" dirty="0" smtClean="0"/>
-              <a:t>Why people will buy what we want to sell and whom we plan to sell.</a:t>
-            </a:r>
-            <a:endParaRPr lang="en-IN" sz="2900" dirty="0" smtClean="0"/>
-          </a:p>
-          <a:p>
-            <a:pPr>
-              <a:buClrTx/>
-              <a:buFont typeface="Arial" pitchFamily="34" charset="0"/>
-              <a:buChar char="•"/>
-            </a:pPr>
-            <a:r>
-              <a:rPr lang="en-IN" sz="1900" dirty="0" smtClean="0"/>
-              <a:t> With fast changing trends and styles, everyone wants to stay ahead. Our app will give them the services that makes them stand out of the crowd. </a:t>
-            </a:r>
-          </a:p>
-          <a:p>
-            <a:pPr>
-              <a:buClrTx/>
-              <a:buFont typeface="Arial" pitchFamily="34" charset="0"/>
-              <a:buChar char="•"/>
-            </a:pPr>
-            <a:r>
-              <a:rPr lang="en-IN" sz="1900" dirty="0" smtClean="0"/>
-              <a:t>With the explosion of mobility by apps like </a:t>
-            </a:r>
-            <a:r>
-              <a:rPr lang="en-IN" sz="1900" dirty="0" err="1" smtClean="0"/>
-              <a:t>flipkart</a:t>
-            </a:r>
-            <a:r>
-              <a:rPr lang="en-IN" sz="1900" dirty="0" smtClean="0"/>
-              <a:t>, </a:t>
-            </a:r>
-            <a:r>
-              <a:rPr lang="en-IN" sz="1900" dirty="0" err="1" smtClean="0"/>
-              <a:t>zomato</a:t>
-            </a:r>
-            <a:r>
-              <a:rPr lang="en-IN" sz="1900" dirty="0" smtClean="0"/>
-              <a:t>, OLA etc. people need an app for the beauty segment too. </a:t>
-            </a:r>
-          </a:p>
-          <a:p>
-            <a:pPr>
-              <a:buClrTx/>
-              <a:buFont typeface="Arial" pitchFamily="34" charset="0"/>
-              <a:buChar char="•"/>
-            </a:pPr>
-            <a:r>
-              <a:rPr lang="en-IN" sz="1900" dirty="0" smtClean="0"/>
-              <a:t> The best deals in the city will attract various people to use the app</a:t>
-            </a:r>
-          </a:p>
-          <a:p>
-            <a:endParaRPr lang="en-US" altLang="en-US" dirty="0" smtClean="0">
-              <a:latin typeface="+mj-lt"/>
-              <a:cs typeface="Arial" panose="020B0604020202020204" pitchFamily="34" charset="0"/>
-            </a:endParaRPr>
-          </a:p>
-        </p:txBody>
-      </p:sp>
-      <p:pic>
-        <p:nvPicPr>
-          <p:cNvPr id="4" name="Picture 2" descr="C:\Users\hash\Desktop\ziu\ziu docs\ziu logo final.jpg"/>
-          <p:cNvPicPr>
-            <a:picLocks noChangeAspect="1" noChangeArrowheads="1"/>
-          </p:cNvPicPr>
-          <p:nvPr/>
-        </p:nvPicPr>
-        <p:blipFill>
-          <a:blip r:embed="rId2"/>
-          <a:srcRect/>
-          <a:stretch>
-            <a:fillRect/>
-          </a:stretch>
-        </p:blipFill>
-        <p:spPr bwMode="auto">
-          <a:xfrm>
-            <a:off x="10128737" y="396436"/>
-            <a:ext cx="1866558" cy="700844"/>
-          </a:xfrm>
-          <a:prstGeom prst="rect">
-            <a:avLst/>
-          </a:prstGeom>
-          <a:noFill/>
-        </p:spPr>
-      </p:pic>
-    </p:spTree>
-    <p:extLst>
-      <p:ext uri="{BB962C8B-B14F-4D97-AF65-F5344CB8AC3E}">
-        <p14:creationId xmlns:p14="http://schemas.microsoft.com/office/powerpoint/2010/main" val="4017808546"/>
       </p:ext>
     </p:extLst>
   </p:cSld>
@@ -7185,7 +7341,7 @@
   <a:extraClrSchemeLst/>
   <a:extLst>
     <a:ext uri="{05A4C25C-085E-4340-85A3-A5531E510DB2}">
-      <thm15:themeFamily xmlns="" xmlns:thm15="http://schemas.microsoft.com/office/thememl/2012/main" name="Retrospect" id="{5F128B03-DCCA-4EEB-AB3B-CF2899314A46}" vid="{D26EA377-59BD-4C9C-9D94-EE8416EE4C79}"/>
+      <thm15:themeFamily xmlns:thm15="http://schemas.microsoft.com/office/thememl/2012/main" xmlns="" name="Retrospect" id="{5F128B03-DCCA-4EEB-AB3B-CF2899314A46}" vid="{D26EA377-59BD-4C9C-9D94-EE8416EE4C79}"/>
     </a:ext>
   </a:extLst>
 </a:theme>
@@ -7446,7 +7602,7 @@
   <a:extraClrSchemeLst/>
   <a:extLst>
     <a:ext uri="{05A4C25C-085E-4340-85A3-A5531E510DB2}">
-      <thm15:themeFamily xmlns="" xmlns:thm15="http://schemas.microsoft.com/office/thememl/2012/main" name="Office Theme" id="{62F939B6-93AF-4DB8-9C6B-D6C7DFDC589F}" vid="{4A3C46E8-61CC-4603-A589-7422A47A8E4A}"/>
+      <thm15:themeFamily xmlns:thm15="http://schemas.microsoft.com/office/thememl/2012/main" xmlns="" name="Office Theme" id="{62F939B6-93AF-4DB8-9C6B-D6C7DFDC589F}" vid="{4A3C46E8-61CC-4603-A589-7422A47A8E4A}"/>
     </a:ext>
   </a:extLst>
 </a:theme>
